--- a/cmu/SurePark/Pictures_v1.1_jack.pptx
+++ b/cmu/SurePark/Pictures_v1.1_jack.pptx
@@ -122,7 +122,7 @@
   </p:defaultTextStyle>
   <p:extLst>
     <p:ext uri="{EFAFB233-063F-42B5-8137-9DF3F51BA10A}">
-      <p15:sldGuideLst xmlns:p15="http://schemas.microsoft.com/office/powerpoint/2012/main" xmlns="">
+      <p15:sldGuideLst xmlns:p15="http://schemas.microsoft.com/office/powerpoint/2012/main">
         <p15:guide id="1" orient="horz" pos="2160" userDrawn="1">
           <p15:clr>
             <a:srgbClr val="A4A3A4"/>
@@ -144,7 +144,7 @@
   <p:cmAuthor id="1" name="이남진/책임연구원/PC SW팀(namjin.lee@lge.com)" initials="이S" lastIdx="1" clrIdx="0">
     <p:extLst>
       <p:ext uri="{19B8F6BF-5375-455C-9EA6-DF929625EA0E}">
-        <p15:presenceInfo xmlns:p15="http://schemas.microsoft.com/office/powerpoint/2012/main" xmlns="" userId="S-1-5-21-2543426832-1914326140-3112152631-768291" providerId="AD"/>
+        <p15:presenceInfo xmlns:p15="http://schemas.microsoft.com/office/powerpoint/2012/main" userId="S-1-5-21-2543426832-1914326140-3112152631-768291" providerId="AD"/>
       </p:ext>
     </p:extLst>
   </p:cmAuthor>
@@ -10491,7 +10491,7 @@
       </p:grpSpPr>
       <p:grpSp>
         <p:nvGrpSpPr>
-          <p:cNvPr id="10" name="그룹 9"/>
+          <p:cNvPr id="9" name="그룹 8"/>
           <p:cNvGrpSpPr/>
           <p:nvPr/>
         </p:nvGrpSpPr>
@@ -10505,7 +10505,7 @@
         </p:grpSpPr>
         <p:grpSp>
           <p:nvGrpSpPr>
-            <p:cNvPr id="8" name="그룹 7"/>
+            <p:cNvPr id="10" name="그룹 9"/>
             <p:cNvGrpSpPr/>
             <p:nvPr/>
           </p:nvGrpSpPr>
@@ -10513,20 +10513,303 @@
             <a:xfrm>
               <a:off x="1030013" y="1037125"/>
               <a:ext cx="7535917" cy="5153457"/>
-              <a:chOff x="641131" y="658765"/>
-              <a:chExt cx="7924800" cy="5153457"/>
+              <a:chOff x="1030013" y="1037125"/>
+              <a:chExt cx="7535917" cy="5153457"/>
             </a:xfrm>
           </p:grpSpPr>
+          <p:grpSp>
+            <p:nvGrpSpPr>
+              <p:cNvPr id="8" name="그룹 7"/>
+              <p:cNvGrpSpPr/>
+              <p:nvPr/>
+            </p:nvGrpSpPr>
+            <p:grpSpPr>
+              <a:xfrm>
+                <a:off x="1030013" y="1037125"/>
+                <a:ext cx="7535917" cy="5153457"/>
+                <a:chOff x="641131" y="658765"/>
+                <a:chExt cx="7924800" cy="5153457"/>
+              </a:xfrm>
+            </p:grpSpPr>
+            <p:sp>
+              <p:nvSpPr>
+                <p:cNvPr id="2" name="모서리가 둥근 직사각형 1"/>
+                <p:cNvSpPr/>
+                <p:nvPr/>
+              </p:nvSpPr>
+              <p:spPr>
+                <a:xfrm>
+                  <a:off x="641131" y="882870"/>
+                  <a:ext cx="7924800" cy="4929352"/>
+                </a:xfrm>
+                <a:prstGeom prst="roundRect">
+                  <a:avLst/>
+                </a:prstGeom>
+                <a:noFill/>
+                <a:ln>
+                  <a:solidFill>
+                    <a:schemeClr val="tx1"/>
+                  </a:solidFill>
+                </a:ln>
+              </p:spPr>
+              <p:style>
+                <a:lnRef idx="2">
+                  <a:schemeClr val="accent1">
+                    <a:shade val="50000"/>
+                  </a:schemeClr>
+                </a:lnRef>
+                <a:fillRef idx="1">
+                  <a:schemeClr val="accent1"/>
+                </a:fillRef>
+                <a:effectRef idx="0">
+                  <a:schemeClr val="accent1"/>
+                </a:effectRef>
+                <a:fontRef idx="minor">
+                  <a:schemeClr val="lt1"/>
+                </a:fontRef>
+              </p:style>
+              <p:txBody>
+                <a:bodyPr rtlCol="0" anchor="t"/>
+                <a:lstStyle/>
+                <a:p>
+                  <a:pPr marL="285750" indent="-285750">
+                    <a:buFontTx/>
+                    <a:buChar char="-"/>
+                  </a:pPr>
+                  <a:r>
+                    <a:rPr lang="en-US" altLang="ko-KR" dirty="0" smtClean="0">
+                      <a:solidFill>
+                        <a:schemeClr val="tx1"/>
+                      </a:solidFill>
+                    </a:rPr>
+                    <a:t>Add new garages</a:t>
+                  </a:r>
+                </a:p>
+                <a:p>
+                  <a:pPr marL="285750" indent="-285750">
+                    <a:buFontTx/>
+                    <a:buChar char="-"/>
+                  </a:pPr>
+                  <a:r>
+                    <a:rPr lang="en-US" altLang="ko-KR" dirty="0" smtClean="0">
+                      <a:solidFill>
+                        <a:schemeClr val="tx1"/>
+                      </a:solidFill>
+                    </a:rPr>
+                    <a:t>Show statistics</a:t>
+                  </a:r>
+                </a:p>
+                <a:p>
+                  <a:pPr marL="285750" indent="-285750">
+                    <a:buFontTx/>
+                    <a:buChar char="-"/>
+                  </a:pPr>
+                  <a:r>
+                    <a:rPr lang="en-US" altLang="ko-KR" dirty="0">
+                      <a:solidFill>
+                        <a:schemeClr val="tx1"/>
+                      </a:solidFill>
+                    </a:rPr>
+                    <a:t>Show all reservation information</a:t>
+                  </a:r>
+                  <a:endParaRPr lang="ko-KR" altLang="en-US" dirty="0">
+                    <a:solidFill>
+                      <a:schemeClr val="tx1"/>
+                    </a:solidFill>
+                  </a:endParaRPr>
+                </a:p>
+              </p:txBody>
+            </p:sp>
+            <p:sp>
+              <p:nvSpPr>
+                <p:cNvPr id="3" name="TextBox 2"/>
+                <p:cNvSpPr txBox="1"/>
+                <p:nvPr/>
+              </p:nvSpPr>
+              <p:spPr>
+                <a:xfrm>
+                  <a:off x="3195146" y="658765"/>
+                  <a:ext cx="971804" cy="369332"/>
+                </a:xfrm>
+                <a:prstGeom prst="rect">
+                  <a:avLst/>
+                </a:prstGeom>
+                <a:solidFill>
+                  <a:schemeClr val="bg1"/>
+                </a:solidFill>
+                <a:ln>
+                  <a:solidFill>
+                    <a:schemeClr val="bg1"/>
+                  </a:solidFill>
+                </a:ln>
+              </p:spPr>
+              <p:txBody>
+                <a:bodyPr wrap="square" rtlCol="0">
+                  <a:spAutoFit/>
+                </a:bodyPr>
+                <a:lstStyle/>
+                <a:p>
+                  <a:r>
+                    <a:rPr lang="en-US" altLang="ko-KR" b="1" dirty="0"/>
+                    <a:t>O</a:t>
+                  </a:r>
+                  <a:r>
+                    <a:rPr lang="en-US" altLang="ko-KR" b="1" dirty="0" smtClean="0"/>
+                    <a:t>wner</a:t>
+                  </a:r>
+                  <a:endParaRPr lang="ko-KR" altLang="en-US" b="1" dirty="0"/>
+                </a:p>
+              </p:txBody>
+            </p:sp>
+          </p:grpSp>
+          <p:grpSp>
+            <p:nvGrpSpPr>
+              <p:cNvPr id="5" name="그룹 4"/>
+              <p:cNvGrpSpPr/>
+              <p:nvPr/>
+            </p:nvGrpSpPr>
+            <p:grpSpPr>
+              <a:xfrm>
+                <a:off x="4876809" y="4409072"/>
+                <a:ext cx="3026978" cy="1425289"/>
+                <a:chOff x="5065989" y="3988672"/>
+                <a:chExt cx="3026978" cy="1425289"/>
+              </a:xfrm>
+            </p:grpSpPr>
+            <p:sp>
+              <p:nvSpPr>
+                <p:cNvPr id="4" name="모서리가 둥근 직사각형 3"/>
+                <p:cNvSpPr/>
+                <p:nvPr/>
+              </p:nvSpPr>
+              <p:spPr>
+                <a:xfrm>
+                  <a:off x="5065989" y="4152719"/>
+                  <a:ext cx="3026978" cy="1261242"/>
+                </a:xfrm>
+                <a:prstGeom prst="roundRect">
+                  <a:avLst/>
+                </a:prstGeom>
+                <a:noFill/>
+                <a:ln>
+                  <a:solidFill>
+                    <a:schemeClr val="tx1"/>
+                  </a:solidFill>
+                </a:ln>
+              </p:spPr>
+              <p:style>
+                <a:lnRef idx="2">
+                  <a:schemeClr val="accent1">
+                    <a:shade val="50000"/>
+                  </a:schemeClr>
+                </a:lnRef>
+                <a:fillRef idx="1">
+                  <a:schemeClr val="accent1"/>
+                </a:fillRef>
+                <a:effectRef idx="0">
+                  <a:schemeClr val="accent1"/>
+                </a:effectRef>
+                <a:fontRef idx="minor">
+                  <a:schemeClr val="lt1"/>
+                </a:fontRef>
+              </p:style>
+              <p:txBody>
+                <a:bodyPr rtlCol="0" anchor="ctr"/>
+                <a:lstStyle/>
+                <a:p>
+                  <a:pPr marL="285750" indent="-285750">
+                    <a:buFontTx/>
+                    <a:buChar char="-"/>
+                  </a:pPr>
+                  <a:r>
+                    <a:rPr lang="en-US" altLang="ko-KR" dirty="0" smtClean="0">
+                      <a:solidFill>
+                        <a:schemeClr val="tx1"/>
+                      </a:solidFill>
+                    </a:rPr>
+                    <a:t>Show </a:t>
+                  </a:r>
+                  <a:r>
+                    <a:rPr lang="en-US" altLang="ko-KR" dirty="0">
+                      <a:solidFill>
+                        <a:schemeClr val="tx1"/>
+                      </a:solidFill>
+                    </a:rPr>
+                    <a:t>garage </a:t>
+                  </a:r>
+                  <a:r>
+                    <a:rPr lang="en-US" altLang="ko-KR" dirty="0" smtClean="0">
+                      <a:solidFill>
+                        <a:schemeClr val="tx1"/>
+                      </a:solidFill>
+                    </a:rPr>
+                    <a:t>status</a:t>
+                  </a:r>
+                </a:p>
+                <a:p>
+                  <a:pPr marL="285750" indent="-285750">
+                    <a:buFontTx/>
+                    <a:buChar char="-"/>
+                  </a:pPr>
+                  <a:r>
+                    <a:rPr lang="en-US" altLang="ko-KR" dirty="0" smtClean="0">
+                      <a:solidFill>
+                        <a:schemeClr val="tx1"/>
+                      </a:solidFill>
+                    </a:rPr>
+                    <a:t>Login</a:t>
+                  </a:r>
+                  <a:endParaRPr lang="ko-KR" altLang="en-US" dirty="0">
+                    <a:solidFill>
+                      <a:schemeClr val="tx1"/>
+                    </a:solidFill>
+                  </a:endParaRPr>
+                </a:p>
+              </p:txBody>
+            </p:sp>
+            <p:sp>
+              <p:nvSpPr>
+                <p:cNvPr id="33" name="TextBox 32"/>
+                <p:cNvSpPr txBox="1"/>
+                <p:nvPr/>
+              </p:nvSpPr>
+              <p:spPr>
+                <a:xfrm>
+                  <a:off x="6074948" y="3988672"/>
+                  <a:ext cx="1014244" cy="369332"/>
+                </a:xfrm>
+                <a:prstGeom prst="rect">
+                  <a:avLst/>
+                </a:prstGeom>
+                <a:solidFill>
+                  <a:schemeClr val="bg1"/>
+                </a:solidFill>
+              </p:spPr>
+              <p:txBody>
+                <a:bodyPr wrap="square" rtlCol="0">
+                  <a:spAutoFit/>
+                </a:bodyPr>
+                <a:lstStyle/>
+                <a:p>
+                  <a:r>
+                    <a:rPr lang="en-US" altLang="ko-KR" b="1" dirty="0" smtClean="0"/>
+                    <a:t>   Users</a:t>
+                  </a:r>
+                  <a:endParaRPr lang="ko-KR" altLang="en-US" b="1" dirty="0"/>
+                </a:p>
+              </p:txBody>
+            </p:sp>
+          </p:grpSp>
           <p:sp>
             <p:nvSpPr>
-              <p:cNvPr id="2" name="모서리가 둥근 직사각형 1"/>
+              <p:cNvPr id="34" name="모서리가 둥근 직사각형 33"/>
               <p:cNvSpPr/>
               <p:nvPr/>
             </p:nvSpPr>
             <p:spPr>
               <a:xfrm>
-                <a:off x="641131" y="882870"/>
-                <a:ext cx="7924800" cy="4929352"/>
+                <a:off x="3342296" y="3711607"/>
+                <a:ext cx="4803226" cy="2237233"/>
               </a:xfrm>
               <a:prstGeom prst="roundRect">
                 <a:avLst/>
@@ -10568,7 +10851,7 @@
                       <a:schemeClr val="tx1"/>
                     </a:solidFill>
                   </a:rPr>
-                  <a:t>Add new garages</a:t>
+                  <a:t>Make reservations</a:t>
                 </a:r>
               </a:p>
               <a:p>
@@ -10582,187 +10865,21 @@
                       <a:schemeClr val="tx1"/>
                     </a:solidFill>
                   </a:rPr>
-                  <a:t>Show statistics</a:t>
+                  <a:t>Show driver’s reservation information</a:t>
                 </a:r>
-              </a:p>
-              <a:p>
-                <a:pPr marL="285750" indent="-285750">
-                  <a:buFontTx/>
-                  <a:buChar char="-"/>
-                </a:pPr>
-                <a:r>
-                  <a:rPr lang="en-US" altLang="ko-KR" dirty="0">
-                    <a:solidFill>
-                      <a:schemeClr val="tx1"/>
-                    </a:solidFill>
-                  </a:rPr>
-                  <a:t>Show all reservation information</a:t>
-                </a:r>
-                <a:endParaRPr lang="ko-KR" altLang="en-US" dirty="0">
-                  <a:solidFill>
-                    <a:schemeClr val="tx1"/>
-                  </a:solidFill>
-                </a:endParaRPr>
               </a:p>
             </p:txBody>
           </p:sp>
           <p:sp>
             <p:nvSpPr>
-              <p:cNvPr id="3" name="TextBox 2"/>
+              <p:cNvPr id="37" name="TextBox 36"/>
               <p:cNvSpPr txBox="1"/>
               <p:nvPr/>
             </p:nvSpPr>
             <p:spPr>
               <a:xfrm>
-                <a:off x="3195146" y="658765"/>
-                <a:ext cx="971804" cy="369332"/>
-              </a:xfrm>
-              <a:prstGeom prst="rect">
-                <a:avLst/>
-              </a:prstGeom>
-              <a:solidFill>
-                <a:schemeClr val="bg1"/>
-              </a:solidFill>
-              <a:ln>
-                <a:solidFill>
-                  <a:schemeClr val="bg1"/>
-                </a:solidFill>
-              </a:ln>
-            </p:spPr>
-            <p:txBody>
-              <a:bodyPr wrap="square" rtlCol="0">
-                <a:spAutoFit/>
-              </a:bodyPr>
-              <a:lstStyle/>
-              <a:p>
-                <a:r>
-                  <a:rPr lang="en-US" altLang="ko-KR" b="1" dirty="0"/>
-                  <a:t>O</a:t>
-                </a:r>
-                <a:r>
-                  <a:rPr lang="en-US" altLang="ko-KR" b="1" dirty="0" smtClean="0"/>
-                  <a:t>wner</a:t>
-                </a:r>
-                <a:endParaRPr lang="ko-KR" altLang="en-US" b="1" dirty="0"/>
-              </a:p>
-            </p:txBody>
-          </p:sp>
-        </p:grpSp>
-        <p:grpSp>
-          <p:nvGrpSpPr>
-            <p:cNvPr id="5" name="그룹 4"/>
-            <p:cNvGrpSpPr/>
-            <p:nvPr/>
-          </p:nvGrpSpPr>
-          <p:grpSpPr>
-            <a:xfrm>
-              <a:off x="4876809" y="4409072"/>
-              <a:ext cx="3026978" cy="1425289"/>
-              <a:chOff x="5065989" y="3988672"/>
-              <a:chExt cx="3026978" cy="1425289"/>
-            </a:xfrm>
-          </p:grpSpPr>
-          <p:sp>
-            <p:nvSpPr>
-              <p:cNvPr id="4" name="모서리가 둥근 직사각형 3"/>
-              <p:cNvSpPr/>
-              <p:nvPr/>
-            </p:nvSpPr>
-            <p:spPr>
-              <a:xfrm>
-                <a:off x="5065989" y="4152719"/>
-                <a:ext cx="3026978" cy="1261242"/>
-              </a:xfrm>
-              <a:prstGeom prst="roundRect">
-                <a:avLst/>
-              </a:prstGeom>
-              <a:noFill/>
-              <a:ln>
-                <a:solidFill>
-                  <a:schemeClr val="tx1"/>
-                </a:solidFill>
-              </a:ln>
-            </p:spPr>
-            <p:style>
-              <a:lnRef idx="2">
-                <a:schemeClr val="accent1">
-                  <a:shade val="50000"/>
-                </a:schemeClr>
-              </a:lnRef>
-              <a:fillRef idx="1">
-                <a:schemeClr val="accent1"/>
-              </a:fillRef>
-              <a:effectRef idx="0">
-                <a:schemeClr val="accent1"/>
-              </a:effectRef>
-              <a:fontRef idx="minor">
-                <a:schemeClr val="lt1"/>
-              </a:fontRef>
-            </p:style>
-            <p:txBody>
-              <a:bodyPr rtlCol="0" anchor="ctr"/>
-              <a:lstStyle/>
-              <a:p>
-                <a:pPr marL="285750" indent="-285750">
-                  <a:buFontTx/>
-                  <a:buChar char="-"/>
-                </a:pPr>
-                <a:r>
-                  <a:rPr lang="en-US" altLang="ko-KR" dirty="0" smtClean="0">
-                    <a:solidFill>
-                      <a:schemeClr val="tx1"/>
-                    </a:solidFill>
-                  </a:rPr>
-                  <a:t>Show </a:t>
-                </a:r>
-                <a:r>
-                  <a:rPr lang="en-US" altLang="ko-KR" dirty="0">
-                    <a:solidFill>
-                      <a:schemeClr val="tx1"/>
-                    </a:solidFill>
-                  </a:rPr>
-                  <a:t>garage </a:t>
-                </a:r>
-                <a:r>
-                  <a:rPr lang="en-US" altLang="ko-KR" dirty="0" smtClean="0">
-                    <a:solidFill>
-                      <a:schemeClr val="tx1"/>
-                    </a:solidFill>
-                  </a:rPr>
-                  <a:t>status</a:t>
-                </a:r>
-              </a:p>
-              <a:p>
-                <a:pPr marL="285750" indent="-285750">
-                  <a:buFontTx/>
-                  <a:buChar char="-"/>
-                </a:pPr>
-                <a:r>
-                  <a:rPr lang="en-US" altLang="ko-KR" dirty="0" smtClean="0">
-                    <a:solidFill>
-                      <a:schemeClr val="tx1"/>
-                    </a:solidFill>
-                  </a:rPr>
-                  <a:t>Login</a:t>
-                </a:r>
-                <a:endParaRPr lang="ko-KR" altLang="en-US" dirty="0">
-                  <a:solidFill>
-                    <a:schemeClr val="tx1"/>
-                  </a:solidFill>
-                </a:endParaRPr>
-              </a:p>
-            </p:txBody>
-          </p:sp>
-          <p:sp>
-            <p:nvSpPr>
-              <p:cNvPr id="33" name="TextBox 32"/>
-              <p:cNvSpPr txBox="1"/>
-              <p:nvPr/>
-            </p:nvSpPr>
-            <p:spPr>
-              <a:xfrm>
-                <a:off x="6074948" y="3988672"/>
-                <a:ext cx="1014244" cy="369332"/>
+                <a:off x="5516336" y="3520946"/>
+                <a:ext cx="876553" cy="369332"/>
               </a:xfrm>
               <a:prstGeom prst="rect">
                 <a:avLst/>
@@ -10779,650 +10896,548 @@
               <a:p>
                 <a:r>
                   <a:rPr lang="en-US" altLang="ko-KR" b="1" dirty="0" smtClean="0"/>
-                  <a:t>   Users</a:t>
+                  <a:t>Driver</a:t>
                 </a:r>
                 <a:endParaRPr lang="ko-KR" altLang="en-US" b="1" dirty="0"/>
               </a:p>
             </p:txBody>
           </p:sp>
+          <p:grpSp>
+            <p:nvGrpSpPr>
+              <p:cNvPr id="7" name="그룹 6"/>
+              <p:cNvGrpSpPr/>
+              <p:nvPr/>
+            </p:nvGrpSpPr>
+            <p:grpSpPr>
+              <a:xfrm>
+                <a:off x="2212428" y="2372790"/>
+                <a:ext cx="6111764" cy="3728453"/>
+                <a:chOff x="1692167" y="1456418"/>
+                <a:chExt cx="6784425" cy="4266465"/>
+              </a:xfrm>
+            </p:grpSpPr>
+            <p:sp>
+              <p:nvSpPr>
+                <p:cNvPr id="39" name="모서리가 둥근 직사각형 38"/>
+                <p:cNvSpPr/>
+                <p:nvPr/>
+              </p:nvSpPr>
+              <p:spPr>
+                <a:xfrm>
+                  <a:off x="1692167" y="1641084"/>
+                  <a:ext cx="6784425" cy="4081799"/>
+                </a:xfrm>
+                <a:prstGeom prst="roundRect">
+                  <a:avLst/>
+                </a:prstGeom>
+                <a:noFill/>
+                <a:ln>
+                  <a:solidFill>
+                    <a:schemeClr val="tx1"/>
+                  </a:solidFill>
+                </a:ln>
+              </p:spPr>
+              <p:style>
+                <a:lnRef idx="2">
+                  <a:schemeClr val="accent1">
+                    <a:shade val="50000"/>
+                  </a:schemeClr>
+                </a:lnRef>
+                <a:fillRef idx="1">
+                  <a:schemeClr val="accent1"/>
+                </a:fillRef>
+                <a:effectRef idx="0">
+                  <a:schemeClr val="accent1"/>
+                </a:effectRef>
+                <a:fontRef idx="minor">
+                  <a:schemeClr val="lt1"/>
+                </a:fontRef>
+              </p:style>
+              <p:txBody>
+                <a:bodyPr rtlCol="0" anchor="t"/>
+                <a:lstStyle/>
+                <a:p>
+                  <a:pPr marL="285750" indent="-285750">
+                    <a:buFontTx/>
+                    <a:buChar char="-"/>
+                  </a:pPr>
+                  <a:r>
+                    <a:rPr lang="en-US" altLang="ko-KR" dirty="0" smtClean="0">
+                      <a:solidFill>
+                        <a:schemeClr val="tx1"/>
+                      </a:solidFill>
+                    </a:rPr>
+                    <a:t>Show garage status with usage</a:t>
+                  </a:r>
+                </a:p>
+                <a:p>
+                  <a:pPr marL="285750" indent="-285750">
+                    <a:buFontTx/>
+                    <a:buChar char="-"/>
+                  </a:pPr>
+                  <a:r>
+                    <a:rPr lang="en-US" altLang="ko-KR" dirty="0" smtClean="0">
+                      <a:solidFill>
+                        <a:schemeClr val="tx1"/>
+                      </a:solidFill>
+                    </a:rPr>
+                    <a:t>Confirm reservation ID</a:t>
+                  </a:r>
+                </a:p>
+                <a:p>
+                  <a:pPr marL="285750" indent="-285750">
+                    <a:buFontTx/>
+                    <a:buChar char="-"/>
+                  </a:pPr>
+                  <a:r>
+                    <a:rPr lang="en-US" altLang="ko-KR" dirty="0" smtClean="0">
+                      <a:solidFill>
+                        <a:schemeClr val="tx1"/>
+                      </a:solidFill>
+                    </a:rPr>
+                    <a:t>Show all reservation information without card number.</a:t>
+                  </a:r>
+                </a:p>
+                <a:p>
+                  <a:pPr marL="285750" indent="-285750">
+                    <a:buFontTx/>
+                    <a:buChar char="-"/>
+                  </a:pPr>
+                  <a:endParaRPr lang="en-US" altLang="ko-KR" dirty="0" smtClean="0">
+                    <a:solidFill>
+                      <a:schemeClr val="tx1"/>
+                    </a:solidFill>
+                  </a:endParaRPr>
+                </a:p>
+              </p:txBody>
+            </p:sp>
+            <p:sp>
+              <p:nvSpPr>
+                <p:cNvPr id="36" name="TextBox 35"/>
+                <p:cNvSpPr txBox="1"/>
+                <p:nvPr/>
+              </p:nvSpPr>
+              <p:spPr>
+                <a:xfrm>
+                  <a:off x="4300352" y="1456418"/>
+                  <a:ext cx="1428635" cy="404333"/>
+                </a:xfrm>
+                <a:prstGeom prst="rect">
+                  <a:avLst/>
+                </a:prstGeom>
+                <a:solidFill>
+                  <a:schemeClr val="bg1"/>
+                </a:solidFill>
+              </p:spPr>
+              <p:txBody>
+                <a:bodyPr wrap="square" rtlCol="0">
+                  <a:spAutoFit/>
+                </a:bodyPr>
+                <a:lstStyle/>
+                <a:p>
+                  <a:r>
+                    <a:rPr lang="en-US" altLang="ko-KR" b="1" dirty="0" smtClean="0"/>
+                    <a:t>Attendant</a:t>
+                  </a:r>
+                  <a:endParaRPr lang="ko-KR" altLang="en-US" b="1" dirty="0"/>
+                </a:p>
+              </p:txBody>
+            </p:sp>
+          </p:grpSp>
         </p:grpSp>
         <p:sp>
           <p:nvSpPr>
-            <p:cNvPr id="34" name="모서리가 둥근 직사각형 33"/>
+            <p:cNvPr id="6" name="한쪽 모서리가 잘린 사각형 5"/>
             <p:cNvSpPr/>
             <p:nvPr/>
           </p:nvSpPr>
           <p:spPr>
             <a:xfrm>
-              <a:off x="3342296" y="3711607"/>
-              <a:ext cx="4803226" cy="2237233"/>
+              <a:off x="6529554" y="1583584"/>
+              <a:ext cx="1520491" cy="461475"/>
             </a:xfrm>
-            <a:prstGeom prst="roundRect">
+            <a:prstGeom prst="snip1Rect">
               <a:avLst/>
             </a:prstGeom>
-            <a:noFill/>
             <a:ln>
+              <a:prstDash val="sysDash"/>
+            </a:ln>
+            <a:effectLst>
+              <a:outerShdw blurRad="50800" dist="38100" dir="5400000" algn="t" rotWithShape="0">
+                <a:prstClr val="black">
+                  <a:alpha val="40000"/>
+                </a:prstClr>
+              </a:outerShdw>
+            </a:effectLst>
+          </p:spPr>
+          <p:style>
+            <a:lnRef idx="2">
+              <a:schemeClr val="dk1"/>
+            </a:lnRef>
+            <a:fillRef idx="1">
+              <a:schemeClr val="lt1"/>
+            </a:fillRef>
+            <a:effectRef idx="0">
+              <a:schemeClr val="dk1"/>
+            </a:effectRef>
+            <a:fontRef idx="minor">
+              <a:schemeClr val="dk1"/>
+            </a:fontRef>
+          </p:style>
+          <p:txBody>
+            <a:bodyPr rtlCol="0" anchor="ctr"/>
+            <a:lstStyle/>
+            <a:p>
+              <a:pPr algn="ctr"/>
+              <a:r>
+                <a:rPr lang="en-US" altLang="ko-KR" b="1" dirty="0" smtClean="0"/>
+                <a:t>Roles</a:t>
+              </a:r>
+              <a:endParaRPr lang="ko-KR" altLang="en-US" b="1" dirty="0"/>
+            </a:p>
+          </p:txBody>
+        </p:sp>
+        <p:sp>
+          <p:nvSpPr>
+            <p:cNvPr id="18" name="한쪽 모서리가 잘린 사각형 17"/>
+            <p:cNvSpPr/>
+            <p:nvPr/>
+          </p:nvSpPr>
+          <p:spPr>
+            <a:xfrm>
+              <a:off x="1100308" y="5039574"/>
+              <a:ext cx="1520491" cy="461475"/>
+            </a:xfrm>
+            <a:prstGeom prst="snip1Rect">
+              <a:avLst/>
+            </a:prstGeom>
+          </p:spPr>
+          <p:style>
+            <a:lnRef idx="2">
+              <a:schemeClr val="dk1"/>
+            </a:lnRef>
+            <a:fillRef idx="1">
+              <a:schemeClr val="lt1"/>
+            </a:fillRef>
+            <a:effectRef idx="0">
+              <a:schemeClr val="dk1"/>
+            </a:effectRef>
+            <a:fontRef idx="minor">
+              <a:schemeClr val="dk1"/>
+            </a:fontRef>
+          </p:style>
+          <p:txBody>
+            <a:bodyPr rtlCol="0" anchor="ctr"/>
+            <a:lstStyle/>
+            <a:p>
+              <a:pPr algn="ctr"/>
+              <a:r>
+                <a:rPr lang="en-US" altLang="ko-KR" b="1" dirty="0" smtClean="0"/>
+                <a:t>Privileges</a:t>
+              </a:r>
+              <a:endParaRPr lang="ko-KR" altLang="en-US" b="1" dirty="0"/>
+            </a:p>
+          </p:txBody>
+        </p:sp>
+        <p:cxnSp>
+          <p:nvCxnSpPr>
+            <p:cNvPr id="13" name="직선 연결선 12"/>
+            <p:cNvCxnSpPr>
+              <a:stCxn id="6" idx="2"/>
+            </p:cNvCxnSpPr>
+            <p:nvPr/>
+          </p:nvCxnSpPr>
+          <p:spPr>
+            <a:xfrm flipH="1" flipV="1">
+              <a:off x="4120055" y="1406457"/>
+              <a:ext cx="2409499" cy="407865"/>
+            </a:xfrm>
+            <a:prstGeom prst="line">
+              <a:avLst/>
+            </a:prstGeom>
+            <a:ln w="9525">
               <a:solidFill>
                 <a:schemeClr val="tx1"/>
               </a:solidFill>
+              <a:prstDash val="sysDot"/>
             </a:ln>
           </p:spPr>
           <p:style>
-            <a:lnRef idx="2">
-              <a:schemeClr val="accent1">
-                <a:shade val="50000"/>
-              </a:schemeClr>
+            <a:lnRef idx="1">
+              <a:schemeClr val="accent1"/>
             </a:lnRef>
-            <a:fillRef idx="1">
+            <a:fillRef idx="0">
               <a:schemeClr val="accent1"/>
             </a:fillRef>
             <a:effectRef idx="0">
               <a:schemeClr val="accent1"/>
             </a:effectRef>
             <a:fontRef idx="minor">
-              <a:schemeClr val="lt1"/>
+              <a:schemeClr val="tx1"/>
             </a:fontRef>
           </p:style>
-          <p:txBody>
-            <a:bodyPr rtlCol="0" anchor="t"/>
-            <a:lstStyle/>
-            <a:p>
-              <a:pPr marL="285750" indent="-285750">
-                <a:buFontTx/>
-                <a:buChar char="-"/>
-              </a:pPr>
-              <a:r>
-                <a:rPr lang="en-US" altLang="ko-KR" dirty="0" smtClean="0">
-                  <a:solidFill>
-                    <a:schemeClr val="tx1"/>
-                  </a:solidFill>
-                </a:rPr>
-                <a:t>Make reservations</a:t>
-              </a:r>
-            </a:p>
-            <a:p>
-              <a:pPr marL="285750" indent="-285750">
-                <a:buFontTx/>
-                <a:buChar char="-"/>
-              </a:pPr>
-              <a:r>
-                <a:rPr lang="en-US" altLang="ko-KR" dirty="0" smtClean="0">
-                  <a:solidFill>
-                    <a:schemeClr val="tx1"/>
-                  </a:solidFill>
-                </a:rPr>
-                <a:t>Show driver’s reservation information</a:t>
-              </a:r>
-            </a:p>
-          </p:txBody>
-        </p:sp>
-        <p:sp>
-          <p:nvSpPr>
-            <p:cNvPr id="37" name="TextBox 36"/>
-            <p:cNvSpPr txBox="1"/>
+        </p:cxnSp>
+        <p:cxnSp>
+          <p:nvCxnSpPr>
+            <p:cNvPr id="22" name="직선 연결선 21"/>
+            <p:cNvCxnSpPr>
+              <a:endCxn id="36" idx="0"/>
+            </p:cNvCxnSpPr>
             <p:nvPr/>
-          </p:nvSpPr>
+          </p:nvCxnSpPr>
+          <p:spPr>
+            <a:xfrm flipH="1">
+              <a:off x="5205512" y="2045059"/>
+              <a:ext cx="1324042" cy="327731"/>
+            </a:xfrm>
+            <a:prstGeom prst="line">
+              <a:avLst/>
+            </a:prstGeom>
+            <a:ln w="9525">
+              <a:solidFill>
+                <a:schemeClr val="tx1"/>
+              </a:solidFill>
+              <a:prstDash val="sysDot"/>
+            </a:ln>
+          </p:spPr>
+          <p:style>
+            <a:lnRef idx="1">
+              <a:schemeClr val="accent1"/>
+            </a:lnRef>
+            <a:fillRef idx="0">
+              <a:schemeClr val="accent1"/>
+            </a:fillRef>
+            <a:effectRef idx="0">
+              <a:schemeClr val="accent1"/>
+            </a:effectRef>
+            <a:fontRef idx="minor">
+              <a:schemeClr val="tx1"/>
+            </a:fontRef>
+          </p:style>
+        </p:cxnSp>
+        <p:cxnSp>
+          <p:nvCxnSpPr>
+            <p:cNvPr id="26" name="직선 연결선 25"/>
+            <p:cNvCxnSpPr/>
+            <p:nvPr/>
+          </p:nvCxnSpPr>
+          <p:spPr>
+            <a:xfrm flipH="1">
+              <a:off x="6042748" y="2045059"/>
+              <a:ext cx="857264" cy="1538949"/>
+            </a:xfrm>
+            <a:prstGeom prst="line">
+              <a:avLst/>
+            </a:prstGeom>
+            <a:ln w="9525">
+              <a:solidFill>
+                <a:schemeClr val="tx1"/>
+              </a:solidFill>
+              <a:prstDash val="sysDot"/>
+            </a:ln>
+          </p:spPr>
+          <p:style>
+            <a:lnRef idx="1">
+              <a:schemeClr val="accent1"/>
+            </a:lnRef>
+            <a:fillRef idx="0">
+              <a:schemeClr val="accent1"/>
+            </a:fillRef>
+            <a:effectRef idx="0">
+              <a:schemeClr val="accent1"/>
+            </a:effectRef>
+            <a:fontRef idx="minor">
+              <a:schemeClr val="tx1"/>
+            </a:fontRef>
+          </p:style>
+        </p:cxnSp>
+        <p:cxnSp>
+          <p:nvCxnSpPr>
+            <p:cNvPr id="28" name="직선 연결선 27"/>
+            <p:cNvCxnSpPr>
+              <a:stCxn id="6" idx="1"/>
+            </p:cNvCxnSpPr>
+            <p:nvPr/>
+          </p:nvCxnSpPr>
+          <p:spPr>
+            <a:xfrm flipH="1">
+              <a:off x="6471380" y="2045059"/>
+              <a:ext cx="818420" cy="2528060"/>
+            </a:xfrm>
+            <a:prstGeom prst="line">
+              <a:avLst/>
+            </a:prstGeom>
+            <a:ln w="9525">
+              <a:solidFill>
+                <a:schemeClr val="tx1"/>
+              </a:solidFill>
+              <a:prstDash val="sysDot"/>
+            </a:ln>
+          </p:spPr>
+          <p:style>
+            <a:lnRef idx="1">
+              <a:schemeClr val="accent1"/>
+            </a:lnRef>
+            <a:fillRef idx="0">
+              <a:schemeClr val="accent1"/>
+            </a:fillRef>
+            <a:effectRef idx="0">
+              <a:schemeClr val="accent1"/>
+            </a:effectRef>
+            <a:fontRef idx="minor">
+              <a:schemeClr val="tx1"/>
+            </a:fontRef>
+          </p:style>
+        </p:cxnSp>
+        <p:cxnSp>
+          <p:nvCxnSpPr>
+            <p:cNvPr id="35" name="직선 연결선 34"/>
+            <p:cNvCxnSpPr/>
+            <p:nvPr/>
+          </p:nvCxnSpPr>
           <p:spPr>
             <a:xfrm>
-              <a:off x="5516336" y="3520946"/>
-              <a:ext cx="876553" cy="369332"/>
+              <a:off x="1422402" y="2372790"/>
+              <a:ext cx="1" cy="2666784"/>
             </a:xfrm>
-            <a:prstGeom prst="rect">
+            <a:prstGeom prst="line">
               <a:avLst/>
             </a:prstGeom>
-            <a:solidFill>
-              <a:schemeClr val="bg1"/>
-            </a:solidFill>
+            <a:ln w="9525">
+              <a:solidFill>
+                <a:schemeClr val="tx1"/>
+              </a:solidFill>
+              <a:prstDash val="sysDot"/>
+            </a:ln>
           </p:spPr>
-          <p:txBody>
-            <a:bodyPr wrap="square" rtlCol="0">
-              <a:spAutoFit/>
-            </a:bodyPr>
-            <a:lstStyle/>
-            <a:p>
-              <a:r>
-                <a:rPr lang="en-US" altLang="ko-KR" b="1" dirty="0" smtClean="0"/>
-                <a:t>Driver</a:t>
-              </a:r>
-              <a:endParaRPr lang="ko-KR" altLang="en-US" b="1" dirty="0"/>
-            </a:p>
-          </p:txBody>
-        </p:sp>
-        <p:grpSp>
-          <p:nvGrpSpPr>
-            <p:cNvPr id="7" name="그룹 6"/>
-            <p:cNvGrpSpPr/>
+          <p:style>
+            <a:lnRef idx="1">
+              <a:schemeClr val="accent1"/>
+            </a:lnRef>
+            <a:fillRef idx="0">
+              <a:schemeClr val="accent1"/>
+            </a:fillRef>
+            <a:effectRef idx="0">
+              <a:schemeClr val="accent1"/>
+            </a:effectRef>
+            <a:fontRef idx="minor">
+              <a:schemeClr val="tx1"/>
+            </a:fontRef>
+          </p:style>
+        </p:cxnSp>
+        <p:cxnSp>
+          <p:nvCxnSpPr>
+            <p:cNvPr id="40" name="직선 연결선 39"/>
+            <p:cNvCxnSpPr>
+              <a:endCxn id="18" idx="3"/>
+            </p:cNvCxnSpPr>
             <p:nvPr/>
-          </p:nvGrpSpPr>
-          <p:grpSpPr>
-            <a:xfrm>
-              <a:off x="2212428" y="2372790"/>
-              <a:ext cx="6111764" cy="3728453"/>
-              <a:chOff x="1692167" y="1456418"/>
-              <a:chExt cx="6784425" cy="4266465"/>
+          </p:nvCxnSpPr>
+          <p:spPr>
+            <a:xfrm flipH="1">
+              <a:off x="1860554" y="3584008"/>
+              <a:ext cx="641346" cy="1455566"/>
             </a:xfrm>
-          </p:grpSpPr>
-          <p:sp>
-            <p:nvSpPr>
-              <p:cNvPr id="39" name="모서리가 둥근 직사각형 38"/>
-              <p:cNvSpPr/>
-              <p:nvPr/>
-            </p:nvSpPr>
-            <p:spPr>
-              <a:xfrm>
-                <a:off x="1692167" y="1641084"/>
-                <a:ext cx="6784425" cy="4081799"/>
-              </a:xfrm>
-              <a:prstGeom prst="roundRect">
-                <a:avLst/>
-              </a:prstGeom>
-              <a:noFill/>
-              <a:ln>
-                <a:solidFill>
-                  <a:schemeClr val="tx1"/>
-                </a:solidFill>
-              </a:ln>
-            </p:spPr>
-            <p:style>
-              <a:lnRef idx="2">
-                <a:schemeClr val="accent1">
-                  <a:shade val="50000"/>
-                </a:schemeClr>
-              </a:lnRef>
-              <a:fillRef idx="1">
-                <a:schemeClr val="accent1"/>
-              </a:fillRef>
-              <a:effectRef idx="0">
-                <a:schemeClr val="accent1"/>
-              </a:effectRef>
-              <a:fontRef idx="minor">
-                <a:schemeClr val="lt1"/>
-              </a:fontRef>
-            </p:style>
-            <p:txBody>
-              <a:bodyPr rtlCol="0" anchor="t"/>
-              <a:lstStyle/>
-              <a:p>
-                <a:pPr marL="285750" indent="-285750">
-                  <a:buFontTx/>
-                  <a:buChar char="-"/>
-                </a:pPr>
-                <a:r>
-                  <a:rPr lang="en-US" altLang="ko-KR" dirty="0" smtClean="0">
-                    <a:solidFill>
-                      <a:schemeClr val="tx1"/>
-                    </a:solidFill>
-                  </a:rPr>
-                  <a:t>Show garage status with usage</a:t>
-                </a:r>
-              </a:p>
-              <a:p>
-                <a:pPr marL="285750" indent="-285750">
-                  <a:buFontTx/>
-                  <a:buChar char="-"/>
-                </a:pPr>
-                <a:r>
-                  <a:rPr lang="en-US" altLang="ko-KR" dirty="0" smtClean="0">
-                    <a:solidFill>
-                      <a:schemeClr val="tx1"/>
-                    </a:solidFill>
-                  </a:rPr>
-                  <a:t>Confirm reservation ID</a:t>
-                </a:r>
-              </a:p>
-              <a:p>
-                <a:pPr marL="285750" indent="-285750">
-                  <a:buFontTx/>
-                  <a:buChar char="-"/>
-                </a:pPr>
-                <a:r>
-                  <a:rPr lang="en-US" altLang="ko-KR" dirty="0" smtClean="0">
-                    <a:solidFill>
-                      <a:schemeClr val="tx1"/>
-                    </a:solidFill>
-                  </a:rPr>
-                  <a:t>Show all reservation information without card number.</a:t>
-                </a:r>
-              </a:p>
-              <a:p>
-                <a:pPr marL="285750" indent="-285750">
-                  <a:buFontTx/>
-                  <a:buChar char="-"/>
-                </a:pPr>
-                <a:endParaRPr lang="en-US" altLang="ko-KR" dirty="0" smtClean="0">
-                  <a:solidFill>
-                    <a:schemeClr val="tx1"/>
-                  </a:solidFill>
-                </a:endParaRPr>
-              </a:p>
-            </p:txBody>
-          </p:sp>
-          <p:sp>
-            <p:nvSpPr>
-              <p:cNvPr id="36" name="TextBox 35"/>
-              <p:cNvSpPr txBox="1"/>
-              <p:nvPr/>
-            </p:nvSpPr>
-            <p:spPr>
-              <a:xfrm>
-                <a:off x="4300352" y="1456418"/>
-                <a:ext cx="1428635" cy="404333"/>
-              </a:xfrm>
-              <a:prstGeom prst="rect">
-                <a:avLst/>
-              </a:prstGeom>
+            <a:prstGeom prst="line">
+              <a:avLst/>
+            </a:prstGeom>
+            <a:ln w="9525">
               <a:solidFill>
-                <a:schemeClr val="bg1"/>
+                <a:schemeClr val="tx1"/>
               </a:solidFill>
-            </p:spPr>
-            <p:txBody>
-              <a:bodyPr wrap="square" rtlCol="0">
-                <a:spAutoFit/>
-              </a:bodyPr>
-              <a:lstStyle/>
-              <a:p>
-                <a:r>
-                  <a:rPr lang="en-US" altLang="ko-KR" b="1" dirty="0" smtClean="0"/>
-                  <a:t>Attendant</a:t>
-                </a:r>
-                <a:endParaRPr lang="ko-KR" altLang="en-US" b="1" dirty="0"/>
-              </a:p>
-            </p:txBody>
-          </p:sp>
-        </p:grpSp>
+              <a:prstDash val="sysDot"/>
+            </a:ln>
+          </p:spPr>
+          <p:style>
+            <a:lnRef idx="1">
+              <a:schemeClr val="accent1"/>
+            </a:lnRef>
+            <a:fillRef idx="0">
+              <a:schemeClr val="accent1"/>
+            </a:fillRef>
+            <a:effectRef idx="0">
+              <a:schemeClr val="accent1"/>
+            </a:effectRef>
+            <a:fontRef idx="minor">
+              <a:schemeClr val="tx1"/>
+            </a:fontRef>
+          </p:style>
+        </p:cxnSp>
+        <p:cxnSp>
+          <p:nvCxnSpPr>
+            <p:cNvPr id="42" name="직선 연결선 41"/>
+            <p:cNvCxnSpPr/>
+            <p:nvPr/>
+          </p:nvCxnSpPr>
+          <p:spPr>
+            <a:xfrm flipH="1">
+              <a:off x="2501900" y="4311791"/>
+              <a:ext cx="956798" cy="727783"/>
+            </a:xfrm>
+            <a:prstGeom prst="line">
+              <a:avLst/>
+            </a:prstGeom>
+            <a:ln w="9525">
+              <a:solidFill>
+                <a:schemeClr val="tx1"/>
+              </a:solidFill>
+              <a:prstDash val="sysDot"/>
+            </a:ln>
+          </p:spPr>
+          <p:style>
+            <a:lnRef idx="1">
+              <a:schemeClr val="accent1"/>
+            </a:lnRef>
+            <a:fillRef idx="0">
+              <a:schemeClr val="accent1"/>
+            </a:fillRef>
+            <a:effectRef idx="0">
+              <a:schemeClr val="accent1"/>
+            </a:effectRef>
+            <a:fontRef idx="minor">
+              <a:schemeClr val="tx1"/>
+            </a:fontRef>
+          </p:style>
+        </p:cxnSp>
+        <p:cxnSp>
+          <p:nvCxnSpPr>
+            <p:cNvPr id="44" name="직선 연결선 43"/>
+            <p:cNvCxnSpPr>
+              <a:endCxn id="18" idx="0"/>
+            </p:cNvCxnSpPr>
+            <p:nvPr/>
+          </p:nvCxnSpPr>
+          <p:spPr>
+            <a:xfrm flipH="1">
+              <a:off x="2620799" y="5203740"/>
+              <a:ext cx="2383002" cy="66572"/>
+            </a:xfrm>
+            <a:prstGeom prst="line">
+              <a:avLst/>
+            </a:prstGeom>
+            <a:ln w="9525">
+              <a:solidFill>
+                <a:schemeClr val="tx1"/>
+              </a:solidFill>
+              <a:prstDash val="sysDot"/>
+            </a:ln>
+          </p:spPr>
+          <p:style>
+            <a:lnRef idx="1">
+              <a:schemeClr val="accent1"/>
+            </a:lnRef>
+            <a:fillRef idx="0">
+              <a:schemeClr val="accent1"/>
+            </a:fillRef>
+            <a:effectRef idx="0">
+              <a:schemeClr val="accent1"/>
+            </a:effectRef>
+            <a:fontRef idx="minor">
+              <a:schemeClr val="tx1"/>
+            </a:fontRef>
+          </p:style>
+        </p:cxnSp>
       </p:grpSp>
-      <p:sp>
-        <p:nvSpPr>
-          <p:cNvPr id="6" name="한쪽 모서리가 잘린 사각형 5"/>
-          <p:cNvSpPr/>
-          <p:nvPr/>
-        </p:nvSpPr>
-        <p:spPr>
-          <a:xfrm>
-            <a:off x="6529554" y="1583584"/>
-            <a:ext cx="1520491" cy="461475"/>
-          </a:xfrm>
-          <a:prstGeom prst="snip1Rect">
-            <a:avLst/>
-          </a:prstGeom>
-          <a:ln>
-            <a:prstDash val="sysDash"/>
-          </a:ln>
-          <a:effectLst>
-            <a:outerShdw blurRad="50800" dist="38100" dir="5400000" algn="t" rotWithShape="0">
-              <a:prstClr val="black">
-                <a:alpha val="40000"/>
-              </a:prstClr>
-            </a:outerShdw>
-          </a:effectLst>
-        </p:spPr>
-        <p:style>
-          <a:lnRef idx="2">
-            <a:schemeClr val="dk1"/>
-          </a:lnRef>
-          <a:fillRef idx="1">
-            <a:schemeClr val="lt1"/>
-          </a:fillRef>
-          <a:effectRef idx="0">
-            <a:schemeClr val="dk1"/>
-          </a:effectRef>
-          <a:fontRef idx="minor">
-            <a:schemeClr val="dk1"/>
-          </a:fontRef>
-        </p:style>
-        <p:txBody>
-          <a:bodyPr rtlCol="0" anchor="ctr"/>
-          <a:lstStyle/>
-          <a:p>
-            <a:pPr algn="ctr"/>
-            <a:r>
-              <a:rPr lang="en-US" altLang="ko-KR" b="1" dirty="0" smtClean="0"/>
-              <a:t>Roles</a:t>
-            </a:r>
-            <a:endParaRPr lang="ko-KR" altLang="en-US" b="1" dirty="0"/>
-          </a:p>
-        </p:txBody>
-      </p:sp>
-      <p:sp>
-        <p:nvSpPr>
-          <p:cNvPr id="18" name="한쪽 모서리가 잘린 사각형 17"/>
-          <p:cNvSpPr/>
-          <p:nvPr/>
-        </p:nvSpPr>
-        <p:spPr>
-          <a:xfrm>
-            <a:off x="1100308" y="5039574"/>
-            <a:ext cx="1520491" cy="461475"/>
-          </a:xfrm>
-          <a:prstGeom prst="snip1Rect">
-            <a:avLst/>
-          </a:prstGeom>
-        </p:spPr>
-        <p:style>
-          <a:lnRef idx="2">
-            <a:schemeClr val="dk1"/>
-          </a:lnRef>
-          <a:fillRef idx="1">
-            <a:schemeClr val="lt1"/>
-          </a:fillRef>
-          <a:effectRef idx="0">
-            <a:schemeClr val="dk1"/>
-          </a:effectRef>
-          <a:fontRef idx="minor">
-            <a:schemeClr val="dk1"/>
-          </a:fontRef>
-        </p:style>
-        <p:txBody>
-          <a:bodyPr rtlCol="0" anchor="ctr"/>
-          <a:lstStyle/>
-          <a:p>
-            <a:pPr algn="ctr"/>
-            <a:r>
-              <a:rPr lang="en-US" altLang="ko-KR" b="1" dirty="0" smtClean="0"/>
-              <a:t>Privileges</a:t>
-            </a:r>
-            <a:endParaRPr lang="ko-KR" altLang="en-US" b="1" dirty="0"/>
-          </a:p>
-        </p:txBody>
-      </p:sp>
-      <p:cxnSp>
-        <p:nvCxnSpPr>
-          <p:cNvPr id="13" name="직선 연결선 12"/>
-          <p:cNvCxnSpPr>
-            <a:stCxn id="6" idx="2"/>
-          </p:cNvCxnSpPr>
-          <p:nvPr/>
-        </p:nvCxnSpPr>
-        <p:spPr>
-          <a:xfrm flipH="1" flipV="1">
-            <a:off x="4120055" y="1406457"/>
-            <a:ext cx="2409499" cy="407865"/>
-          </a:xfrm>
-          <a:prstGeom prst="line">
-            <a:avLst/>
-          </a:prstGeom>
-          <a:ln w="9525">
-            <a:solidFill>
-              <a:schemeClr val="tx1"/>
-            </a:solidFill>
-            <a:prstDash val="sysDot"/>
-          </a:ln>
-        </p:spPr>
-        <p:style>
-          <a:lnRef idx="1">
-            <a:schemeClr val="accent1"/>
-          </a:lnRef>
-          <a:fillRef idx="0">
-            <a:schemeClr val="accent1"/>
-          </a:fillRef>
-          <a:effectRef idx="0">
-            <a:schemeClr val="accent1"/>
-          </a:effectRef>
-          <a:fontRef idx="minor">
-            <a:schemeClr val="tx1"/>
-          </a:fontRef>
-        </p:style>
-      </p:cxnSp>
-      <p:cxnSp>
-        <p:nvCxnSpPr>
-          <p:cNvPr id="22" name="직선 연결선 21"/>
-          <p:cNvCxnSpPr>
-            <a:endCxn id="36" idx="0"/>
-          </p:cNvCxnSpPr>
-          <p:nvPr/>
-        </p:nvCxnSpPr>
-        <p:spPr>
-          <a:xfrm flipH="1">
-            <a:off x="5205512" y="2045059"/>
-            <a:ext cx="1324042" cy="327731"/>
-          </a:xfrm>
-          <a:prstGeom prst="line">
-            <a:avLst/>
-          </a:prstGeom>
-          <a:ln w="9525">
-            <a:solidFill>
-              <a:schemeClr val="tx1"/>
-            </a:solidFill>
-            <a:prstDash val="sysDot"/>
-          </a:ln>
-        </p:spPr>
-        <p:style>
-          <a:lnRef idx="1">
-            <a:schemeClr val="accent1"/>
-          </a:lnRef>
-          <a:fillRef idx="0">
-            <a:schemeClr val="accent1"/>
-          </a:fillRef>
-          <a:effectRef idx="0">
-            <a:schemeClr val="accent1"/>
-          </a:effectRef>
-          <a:fontRef idx="minor">
-            <a:schemeClr val="tx1"/>
-          </a:fontRef>
-        </p:style>
-      </p:cxnSp>
-      <p:cxnSp>
-        <p:nvCxnSpPr>
-          <p:cNvPr id="26" name="직선 연결선 25"/>
-          <p:cNvCxnSpPr/>
-          <p:nvPr/>
-        </p:nvCxnSpPr>
-        <p:spPr>
-          <a:xfrm flipH="1">
-            <a:off x="6042748" y="2045059"/>
-            <a:ext cx="857264" cy="1538949"/>
-          </a:xfrm>
-          <a:prstGeom prst="line">
-            <a:avLst/>
-          </a:prstGeom>
-          <a:ln w="9525">
-            <a:solidFill>
-              <a:schemeClr val="tx1"/>
-            </a:solidFill>
-            <a:prstDash val="sysDot"/>
-          </a:ln>
-        </p:spPr>
-        <p:style>
-          <a:lnRef idx="1">
-            <a:schemeClr val="accent1"/>
-          </a:lnRef>
-          <a:fillRef idx="0">
-            <a:schemeClr val="accent1"/>
-          </a:fillRef>
-          <a:effectRef idx="0">
-            <a:schemeClr val="accent1"/>
-          </a:effectRef>
-          <a:fontRef idx="minor">
-            <a:schemeClr val="tx1"/>
-          </a:fontRef>
-        </p:style>
-      </p:cxnSp>
-      <p:cxnSp>
-        <p:nvCxnSpPr>
-          <p:cNvPr id="28" name="직선 연결선 27"/>
-          <p:cNvCxnSpPr>
-            <a:stCxn id="6" idx="1"/>
-          </p:cNvCxnSpPr>
-          <p:nvPr/>
-        </p:nvCxnSpPr>
-        <p:spPr>
-          <a:xfrm flipH="1">
-            <a:off x="6471380" y="2045059"/>
-            <a:ext cx="818420" cy="2528060"/>
-          </a:xfrm>
-          <a:prstGeom prst="line">
-            <a:avLst/>
-          </a:prstGeom>
-          <a:ln w="9525">
-            <a:solidFill>
-              <a:schemeClr val="tx1"/>
-            </a:solidFill>
-            <a:prstDash val="sysDot"/>
-          </a:ln>
-        </p:spPr>
-        <p:style>
-          <a:lnRef idx="1">
-            <a:schemeClr val="accent1"/>
-          </a:lnRef>
-          <a:fillRef idx="0">
-            <a:schemeClr val="accent1"/>
-          </a:fillRef>
-          <a:effectRef idx="0">
-            <a:schemeClr val="accent1"/>
-          </a:effectRef>
-          <a:fontRef idx="minor">
-            <a:schemeClr val="tx1"/>
-          </a:fontRef>
-        </p:style>
-      </p:cxnSp>
-      <p:cxnSp>
-        <p:nvCxnSpPr>
-          <p:cNvPr id="35" name="직선 연결선 34"/>
-          <p:cNvCxnSpPr/>
-          <p:nvPr/>
-        </p:nvCxnSpPr>
-        <p:spPr>
-          <a:xfrm>
-            <a:off x="1422402" y="2372790"/>
-            <a:ext cx="1" cy="2666784"/>
-          </a:xfrm>
-          <a:prstGeom prst="line">
-            <a:avLst/>
-          </a:prstGeom>
-          <a:ln w="9525">
-            <a:solidFill>
-              <a:schemeClr val="tx1"/>
-            </a:solidFill>
-            <a:prstDash val="sysDot"/>
-          </a:ln>
-        </p:spPr>
-        <p:style>
-          <a:lnRef idx="1">
-            <a:schemeClr val="accent1"/>
-          </a:lnRef>
-          <a:fillRef idx="0">
-            <a:schemeClr val="accent1"/>
-          </a:fillRef>
-          <a:effectRef idx="0">
-            <a:schemeClr val="accent1"/>
-          </a:effectRef>
-          <a:fontRef idx="minor">
-            <a:schemeClr val="tx1"/>
-          </a:fontRef>
-        </p:style>
-      </p:cxnSp>
-      <p:cxnSp>
-        <p:nvCxnSpPr>
-          <p:cNvPr id="40" name="직선 연결선 39"/>
-          <p:cNvCxnSpPr>
-            <a:endCxn id="18" idx="3"/>
-          </p:cNvCxnSpPr>
-          <p:nvPr/>
-        </p:nvCxnSpPr>
-        <p:spPr>
-          <a:xfrm flipH="1">
-            <a:off x="1860554" y="3584008"/>
-            <a:ext cx="641346" cy="1455566"/>
-          </a:xfrm>
-          <a:prstGeom prst="line">
-            <a:avLst/>
-          </a:prstGeom>
-          <a:ln w="9525">
-            <a:solidFill>
-              <a:schemeClr val="tx1"/>
-            </a:solidFill>
-            <a:prstDash val="sysDot"/>
-          </a:ln>
-        </p:spPr>
-        <p:style>
-          <a:lnRef idx="1">
-            <a:schemeClr val="accent1"/>
-          </a:lnRef>
-          <a:fillRef idx="0">
-            <a:schemeClr val="accent1"/>
-          </a:fillRef>
-          <a:effectRef idx="0">
-            <a:schemeClr val="accent1"/>
-          </a:effectRef>
-          <a:fontRef idx="minor">
-            <a:schemeClr val="tx1"/>
-          </a:fontRef>
-        </p:style>
-      </p:cxnSp>
-      <p:cxnSp>
-        <p:nvCxnSpPr>
-          <p:cNvPr id="42" name="직선 연결선 41"/>
-          <p:cNvCxnSpPr/>
-          <p:nvPr/>
-        </p:nvCxnSpPr>
-        <p:spPr>
-          <a:xfrm flipH="1">
-            <a:off x="2501900" y="4311791"/>
-            <a:ext cx="956798" cy="727783"/>
-          </a:xfrm>
-          <a:prstGeom prst="line">
-            <a:avLst/>
-          </a:prstGeom>
-          <a:ln w="9525">
-            <a:solidFill>
-              <a:schemeClr val="tx1"/>
-            </a:solidFill>
-            <a:prstDash val="sysDot"/>
-          </a:ln>
-        </p:spPr>
-        <p:style>
-          <a:lnRef idx="1">
-            <a:schemeClr val="accent1"/>
-          </a:lnRef>
-          <a:fillRef idx="0">
-            <a:schemeClr val="accent1"/>
-          </a:fillRef>
-          <a:effectRef idx="0">
-            <a:schemeClr val="accent1"/>
-          </a:effectRef>
-          <a:fontRef idx="minor">
-            <a:schemeClr val="tx1"/>
-          </a:fontRef>
-        </p:style>
-      </p:cxnSp>
-      <p:cxnSp>
-        <p:nvCxnSpPr>
-          <p:cNvPr id="44" name="직선 연결선 43"/>
-          <p:cNvCxnSpPr>
-            <a:endCxn id="18" idx="0"/>
-          </p:cNvCxnSpPr>
-          <p:nvPr/>
-        </p:nvCxnSpPr>
-        <p:spPr>
-          <a:xfrm flipH="1">
-            <a:off x="2620799" y="5203740"/>
-            <a:ext cx="2383002" cy="66572"/>
-          </a:xfrm>
-          <a:prstGeom prst="line">
-            <a:avLst/>
-          </a:prstGeom>
-          <a:ln w="9525">
-            <a:solidFill>
-              <a:schemeClr val="tx1"/>
-            </a:solidFill>
-            <a:prstDash val="sysDot"/>
-          </a:ln>
-        </p:spPr>
-        <p:style>
-          <a:lnRef idx="1">
-            <a:schemeClr val="accent1"/>
-          </a:lnRef>
-          <a:fillRef idx="0">
-            <a:schemeClr val="accent1"/>
-          </a:fillRef>
-          <a:effectRef idx="0">
-            <a:schemeClr val="accent1"/>
-          </a:effectRef>
-          <a:fontRef idx="minor">
-            <a:schemeClr val="tx1"/>
-          </a:fontRef>
-        </p:style>
-      </p:cxnSp>
     </p:spTree>
     <p:extLst>
       <p:ext uri="{BB962C8B-B14F-4D97-AF65-F5344CB8AC3E}">
@@ -13016,7 +13031,7 @@
         <p:spPr>
           <a:xfrm>
             <a:off x="3224912" y="2834862"/>
-            <a:ext cx="747320" cy="261610"/>
+            <a:ext cx="801823" cy="261610"/>
           </a:xfrm>
           <a:prstGeom prst="rect">
             <a:avLst/>
@@ -13030,14 +13045,23 @@
           <a:lstStyle/>
           <a:p>
             <a:r>
-              <a:rPr lang="en-US" altLang="ko-KR" sz="1100" dirty="0"/>
+              <a:rPr lang="en-US" altLang="ko-KR" sz="1100" dirty="0">
+                <a:latin typeface="Arial" panose="020B0604020202020204" pitchFamily="34" charset="0"/>
+                <a:cs typeface="Arial" panose="020B0604020202020204" pitchFamily="34" charset="0"/>
+              </a:rPr>
               <a:t>3</a:t>
             </a:r>
             <a:r>
-              <a:rPr lang="en-US" altLang="ko-KR" sz="1100" dirty="0" smtClean="0"/>
+              <a:rPr lang="en-US" altLang="ko-KR" sz="1100" dirty="0" smtClean="0">
+                <a:latin typeface="Arial" panose="020B0604020202020204" pitchFamily="34" charset="0"/>
+                <a:cs typeface="Arial" panose="020B0604020202020204" pitchFamily="34" charset="0"/>
+              </a:rPr>
               <a:t>. Return </a:t>
             </a:r>
-            <a:endParaRPr lang="ko-KR" altLang="en-US" sz="1100" dirty="0"/>
+            <a:endParaRPr lang="ko-KR" altLang="en-US" sz="1100" dirty="0">
+              <a:latin typeface="Arial" panose="020B0604020202020204" pitchFamily="34" charset="0"/>
+              <a:cs typeface="Arial" panose="020B0604020202020204" pitchFamily="34" charset="0"/>
+            </a:endParaRPr>
           </a:p>
         </p:txBody>
       </p:sp>
@@ -13227,7 +13251,7 @@
         <p:spPr>
           <a:xfrm>
             <a:off x="1637988" y="1848250"/>
-            <a:ext cx="628698" cy="261610"/>
+            <a:ext cx="686406" cy="261610"/>
           </a:xfrm>
           <a:prstGeom prst="rect">
             <a:avLst/>
@@ -13241,10 +13265,16 @@
           <a:lstStyle/>
           <a:p>
             <a:r>
-              <a:rPr lang="en-US" altLang="ko-KR" sz="1100" dirty="0" smtClean="0"/>
+              <a:rPr lang="en-US" altLang="ko-KR" sz="1100" dirty="0" smtClean="0">
+                <a:latin typeface="Arial" panose="020B0604020202020204" pitchFamily="34" charset="0"/>
+                <a:cs typeface="Arial" panose="020B0604020202020204" pitchFamily="34" charset="0"/>
+              </a:rPr>
               <a:t>1. Login</a:t>
             </a:r>
-            <a:endParaRPr lang="ko-KR" altLang="en-US" sz="1100" dirty="0"/>
+            <a:endParaRPr lang="ko-KR" altLang="en-US" sz="1100" dirty="0">
+              <a:latin typeface="Arial" panose="020B0604020202020204" pitchFamily="34" charset="0"/>
+              <a:cs typeface="Arial" panose="020B0604020202020204" pitchFamily="34" charset="0"/>
+            </a:endParaRPr>
           </a:p>
         </p:txBody>
       </p:sp>
@@ -13293,7 +13323,7 @@
         <p:spPr>
           <a:xfrm>
             <a:off x="1650688" y="2178450"/>
-            <a:ext cx="675185" cy="261610"/>
+            <a:ext cx="700833" cy="261610"/>
           </a:xfrm>
           <a:prstGeom prst="rect">
             <a:avLst/>
@@ -13307,10 +13337,16 @@
           <a:lstStyle/>
           <a:p>
             <a:r>
-              <a:rPr lang="en-US" altLang="ko-KR" sz="1100" dirty="0" smtClean="0"/>
+              <a:rPr lang="en-US" altLang="ko-KR" sz="1100" dirty="0" smtClean="0">
+                <a:latin typeface="Arial" panose="020B0604020202020204" pitchFamily="34" charset="0"/>
+                <a:cs typeface="Arial" panose="020B0604020202020204" pitchFamily="34" charset="0"/>
+              </a:rPr>
               <a:t>5. Notify</a:t>
             </a:r>
-            <a:endParaRPr lang="ko-KR" altLang="en-US" sz="1100" dirty="0"/>
+            <a:endParaRPr lang="ko-KR" altLang="en-US" sz="1100" dirty="0">
+              <a:latin typeface="Arial" panose="020B0604020202020204" pitchFamily="34" charset="0"/>
+              <a:cs typeface="Arial" panose="020B0604020202020204" pitchFamily="34" charset="0"/>
+            </a:endParaRPr>
           </a:p>
         </p:txBody>
       </p:sp>
@@ -13360,7 +13396,7 @@
         <p:spPr>
           <a:xfrm>
             <a:off x="2293824" y="2834862"/>
-            <a:ext cx="708848" cy="430887"/>
+            <a:ext cx="761747" cy="430887"/>
           </a:xfrm>
           <a:prstGeom prst="rect">
             <a:avLst/>
@@ -13374,20 +13410,32 @@
           <a:lstStyle/>
           <a:p>
             <a:r>
-              <a:rPr lang="en-US" altLang="ko-KR" sz="1100" dirty="0" smtClean="0"/>
+              <a:rPr lang="en-US" altLang="ko-KR" sz="1100" dirty="0" smtClean="0">
+                <a:latin typeface="Arial" panose="020B0604020202020204" pitchFamily="34" charset="0"/>
+                <a:cs typeface="Arial" panose="020B0604020202020204" pitchFamily="34" charset="0"/>
+              </a:rPr>
               <a:t>2. Query </a:t>
             </a:r>
           </a:p>
           <a:p>
             <a:r>
-              <a:rPr lang="en-US" altLang="ko-KR" sz="1100" dirty="0"/>
+              <a:rPr lang="en-US" altLang="ko-KR" sz="1100" dirty="0">
+                <a:latin typeface="Arial" panose="020B0604020202020204" pitchFamily="34" charset="0"/>
+                <a:cs typeface="Arial" panose="020B0604020202020204" pitchFamily="34" charset="0"/>
+              </a:rPr>
               <a:t> </a:t>
             </a:r>
             <a:r>
-              <a:rPr lang="en-US" altLang="ko-KR" sz="1100" dirty="0" smtClean="0"/>
+              <a:rPr lang="en-US" altLang="ko-KR" sz="1100" dirty="0" smtClean="0">
+                <a:latin typeface="Arial" panose="020B0604020202020204" pitchFamily="34" charset="0"/>
+                <a:cs typeface="Arial" panose="020B0604020202020204" pitchFamily="34" charset="0"/>
+              </a:rPr>
               <a:t>    users </a:t>
             </a:r>
-            <a:endParaRPr lang="ko-KR" altLang="en-US" sz="1100" dirty="0"/>
+            <a:endParaRPr lang="ko-KR" altLang="en-US" sz="1100" dirty="0">
+              <a:latin typeface="Arial" panose="020B0604020202020204" pitchFamily="34" charset="0"/>
+              <a:cs typeface="Arial" panose="020B0604020202020204" pitchFamily="34" charset="0"/>
+            </a:endParaRPr>
           </a:p>
         </p:txBody>
       </p:sp>
@@ -13399,8 +13447,8 @@
         </p:nvSpPr>
         <p:spPr>
           <a:xfrm>
-            <a:off x="2060725" y="1204197"/>
-            <a:ext cx="1329210" cy="430887"/>
+            <a:off x="1988280" y="1114786"/>
+            <a:ext cx="1460656" cy="430887"/>
           </a:xfrm>
           <a:prstGeom prst="rect">
             <a:avLst/>
@@ -13414,20 +13462,32 @@
           <a:lstStyle/>
           <a:p>
             <a:r>
-              <a:rPr lang="en-US" altLang="ko-KR" sz="1100" dirty="0" smtClean="0"/>
+              <a:rPr lang="en-US" altLang="ko-KR" sz="1100" dirty="0" smtClean="0">
+                <a:latin typeface="Arial" panose="020B0604020202020204" pitchFamily="34" charset="0"/>
+                <a:cs typeface="Arial" panose="020B0604020202020204" pitchFamily="34" charset="0"/>
+              </a:rPr>
               <a:t>4. Verify  User Login</a:t>
             </a:r>
           </a:p>
           <a:p>
             <a:r>
-              <a:rPr lang="en-US" altLang="ko-KR" sz="1100" dirty="0"/>
+              <a:rPr lang="en-US" altLang="ko-KR" sz="1100" dirty="0">
+                <a:latin typeface="Arial" panose="020B0604020202020204" pitchFamily="34" charset="0"/>
+                <a:cs typeface="Arial" panose="020B0604020202020204" pitchFamily="34" charset="0"/>
+              </a:rPr>
               <a:t> </a:t>
             </a:r>
             <a:r>
-              <a:rPr lang="en-US" altLang="ko-KR" sz="1100" dirty="0" smtClean="0"/>
+              <a:rPr lang="en-US" altLang="ko-KR" sz="1100" dirty="0" smtClean="0">
+                <a:latin typeface="Arial" panose="020B0604020202020204" pitchFamily="34" charset="0"/>
+                <a:cs typeface="Arial" panose="020B0604020202020204" pitchFamily="34" charset="0"/>
+              </a:rPr>
               <a:t>   Give Privileges</a:t>
             </a:r>
-            <a:endParaRPr lang="ko-KR" altLang="en-US" sz="1100" dirty="0"/>
+            <a:endParaRPr lang="ko-KR" altLang="en-US" sz="1100" dirty="0">
+              <a:latin typeface="Arial" panose="020B0604020202020204" pitchFamily="34" charset="0"/>
+              <a:cs typeface="Arial" panose="020B0604020202020204" pitchFamily="34" charset="0"/>
+            </a:endParaRPr>
           </a:p>
         </p:txBody>
       </p:sp>
@@ -13542,7 +13602,7 @@
         <p:spPr>
           <a:xfrm>
             <a:off x="451928" y="1576846"/>
-            <a:ext cx="503664" cy="261610"/>
+            <a:ext cx="553357" cy="261610"/>
           </a:xfrm>
           <a:prstGeom prst="rect">
             <a:avLst/>
@@ -13556,10 +13616,16 @@
           <a:lstStyle/>
           <a:p>
             <a:r>
-              <a:rPr lang="en-US" altLang="ko-KR" sz="1100" dirty="0" smtClean="0"/>
+              <a:rPr lang="en-US" altLang="ko-KR" sz="1100" dirty="0" smtClean="0">
+                <a:latin typeface="Arial" panose="020B0604020202020204" pitchFamily="34" charset="0"/>
+                <a:cs typeface="Arial" panose="020B0604020202020204" pitchFamily="34" charset="0"/>
+              </a:rPr>
               <a:t>Users</a:t>
             </a:r>
-            <a:endParaRPr lang="ko-KR" altLang="en-US" sz="1100" dirty="0"/>
+            <a:endParaRPr lang="ko-KR" altLang="en-US" sz="1100" dirty="0">
+              <a:latin typeface="Arial" panose="020B0604020202020204" pitchFamily="34" charset="0"/>
+              <a:cs typeface="Arial" panose="020B0604020202020204" pitchFamily="34" charset="0"/>
+            </a:endParaRPr>
           </a:p>
         </p:txBody>
       </p:sp>
@@ -13694,7 +13760,7 @@
         <p:spPr>
           <a:xfrm>
             <a:off x="6189362" y="2820785"/>
-            <a:ext cx="747320" cy="261610"/>
+            <a:ext cx="801823" cy="261610"/>
           </a:xfrm>
           <a:prstGeom prst="rect">
             <a:avLst/>
@@ -13708,14 +13774,23 @@
           <a:lstStyle/>
           <a:p>
             <a:r>
-              <a:rPr lang="en-US" altLang="ko-KR" sz="1100" dirty="0"/>
+              <a:rPr lang="en-US" altLang="ko-KR" sz="1100" dirty="0">
+                <a:latin typeface="Arial" panose="020B0604020202020204" pitchFamily="34" charset="0"/>
+                <a:cs typeface="Arial" panose="020B0604020202020204" pitchFamily="34" charset="0"/>
+              </a:rPr>
               <a:t>3</a:t>
             </a:r>
             <a:r>
-              <a:rPr lang="en-US" altLang="ko-KR" sz="1100" dirty="0" smtClean="0"/>
+              <a:rPr lang="en-US" altLang="ko-KR" sz="1100" dirty="0" smtClean="0">
+                <a:latin typeface="Arial" panose="020B0604020202020204" pitchFamily="34" charset="0"/>
+                <a:cs typeface="Arial" panose="020B0604020202020204" pitchFamily="34" charset="0"/>
+              </a:rPr>
               <a:t>. Return </a:t>
             </a:r>
-            <a:endParaRPr lang="ko-KR" altLang="en-US" sz="1100" dirty="0"/>
+            <a:endParaRPr lang="ko-KR" altLang="en-US" sz="1100" dirty="0">
+              <a:latin typeface="Arial" panose="020B0604020202020204" pitchFamily="34" charset="0"/>
+              <a:cs typeface="Arial" panose="020B0604020202020204" pitchFamily="34" charset="0"/>
+            </a:endParaRPr>
           </a:p>
         </p:txBody>
       </p:sp>
@@ -13905,7 +13980,7 @@
         <p:spPr>
           <a:xfrm>
             <a:off x="5669149" y="1868150"/>
-            <a:ext cx="797013" cy="261610"/>
+            <a:ext cx="865943" cy="261610"/>
           </a:xfrm>
           <a:prstGeom prst="rect">
             <a:avLst/>
@@ -13919,10 +13994,16 @@
           <a:lstStyle/>
           <a:p>
             <a:r>
-              <a:rPr lang="en-US" altLang="ko-KR" sz="1100" dirty="0" smtClean="0"/>
+              <a:rPr lang="en-US" altLang="ko-KR" sz="1100" dirty="0" smtClean="0">
+                <a:latin typeface="Arial" panose="020B0604020202020204" pitchFamily="34" charset="0"/>
+                <a:cs typeface="Arial" panose="020B0604020202020204" pitchFamily="34" charset="0"/>
+              </a:rPr>
               <a:t>1. Connect</a:t>
             </a:r>
-            <a:endParaRPr lang="ko-KR" altLang="en-US" sz="1100" dirty="0"/>
+            <a:endParaRPr lang="ko-KR" altLang="en-US" sz="1100" dirty="0">
+              <a:latin typeface="Arial" panose="020B0604020202020204" pitchFamily="34" charset="0"/>
+              <a:cs typeface="Arial" panose="020B0604020202020204" pitchFamily="34" charset="0"/>
+            </a:endParaRPr>
           </a:p>
         </p:txBody>
       </p:sp>
@@ -13971,7 +14052,7 @@
         <p:spPr>
           <a:xfrm>
             <a:off x="5681849" y="2198350"/>
-            <a:ext cx="739305" cy="261610"/>
+            <a:ext cx="803425" cy="261610"/>
           </a:xfrm>
           <a:prstGeom prst="rect">
             <a:avLst/>
@@ -13985,10 +14066,16 @@
           <a:lstStyle/>
           <a:p>
             <a:r>
-              <a:rPr lang="en-US" altLang="ko-KR" sz="1100" dirty="0" smtClean="0"/>
+              <a:rPr lang="en-US" altLang="ko-KR" sz="1100" dirty="0" smtClean="0">
+                <a:latin typeface="Arial" panose="020B0604020202020204" pitchFamily="34" charset="0"/>
+                <a:cs typeface="Arial" panose="020B0604020202020204" pitchFamily="34" charset="0"/>
+              </a:rPr>
               <a:t>5. Render</a:t>
             </a:r>
-            <a:endParaRPr lang="ko-KR" altLang="en-US" sz="1100" dirty="0"/>
+            <a:endParaRPr lang="ko-KR" altLang="en-US" sz="1100" dirty="0">
+              <a:latin typeface="Arial" panose="020B0604020202020204" pitchFamily="34" charset="0"/>
+              <a:cs typeface="Arial" panose="020B0604020202020204" pitchFamily="34" charset="0"/>
+            </a:endParaRPr>
           </a:p>
         </p:txBody>
       </p:sp>
@@ -14038,7 +14125,7 @@
         <p:spPr>
           <a:xfrm>
             <a:off x="7266623" y="2799647"/>
-            <a:ext cx="1486304" cy="430887"/>
+            <a:ext cx="1617751" cy="430887"/>
           </a:xfrm>
           <a:prstGeom prst="rect">
             <a:avLst/>
@@ -14052,20 +14139,32 @@
           <a:lstStyle/>
           <a:p>
             <a:r>
-              <a:rPr lang="en-US" altLang="ko-KR" sz="1100" dirty="0" smtClean="0"/>
+              <a:rPr lang="en-US" altLang="ko-KR" sz="1100" dirty="0" smtClean="0">
+                <a:latin typeface="Arial" panose="020B0604020202020204" pitchFamily="34" charset="0"/>
+                <a:cs typeface="Arial" panose="020B0604020202020204" pitchFamily="34" charset="0"/>
+              </a:rPr>
               <a:t>2. Query</a:t>
             </a:r>
           </a:p>
           <a:p>
             <a:r>
-              <a:rPr lang="en-US" altLang="ko-KR" sz="1100" dirty="0"/>
+              <a:rPr lang="en-US" altLang="ko-KR" sz="1100" dirty="0">
+                <a:latin typeface="Arial" panose="020B0604020202020204" pitchFamily="34" charset="0"/>
+                <a:cs typeface="Arial" panose="020B0604020202020204" pitchFamily="34" charset="0"/>
+              </a:rPr>
               <a:t> </a:t>
             </a:r>
             <a:r>
-              <a:rPr lang="en-US" altLang="ko-KR" sz="1100" dirty="0" smtClean="0"/>
+              <a:rPr lang="en-US" altLang="ko-KR" sz="1100" dirty="0" smtClean="0">
+                <a:latin typeface="Arial" panose="020B0604020202020204" pitchFamily="34" charset="0"/>
+                <a:cs typeface="Arial" panose="020B0604020202020204" pitchFamily="34" charset="0"/>
+              </a:rPr>
               <a:t>   given privileges info.</a:t>
             </a:r>
-            <a:endParaRPr lang="ko-KR" altLang="en-US" sz="1100" dirty="0"/>
+            <a:endParaRPr lang="ko-KR" altLang="en-US" sz="1100" dirty="0">
+              <a:latin typeface="Arial" panose="020B0604020202020204" pitchFamily="34" charset="0"/>
+              <a:cs typeface="Arial" panose="020B0604020202020204" pitchFamily="34" charset="0"/>
+            </a:endParaRPr>
           </a:p>
         </p:txBody>
       </p:sp>
@@ -14077,8 +14176,8 @@
         </p:nvSpPr>
         <p:spPr>
           <a:xfrm>
-            <a:off x="5674372" y="1168622"/>
-            <a:ext cx="1762021" cy="261610"/>
+            <a:off x="5439384" y="1259561"/>
+            <a:ext cx="1922321" cy="261610"/>
           </a:xfrm>
           <a:prstGeom prst="rect">
             <a:avLst/>
@@ -14092,10 +14191,16 @@
           <a:lstStyle/>
           <a:p>
             <a:r>
-              <a:rPr lang="en-US" altLang="ko-KR" sz="1100" dirty="0" smtClean="0"/>
+              <a:rPr lang="en-US" altLang="ko-KR" sz="1100" dirty="0" smtClean="0">
+                <a:latin typeface="Arial" panose="020B0604020202020204" pitchFamily="34" charset="0"/>
+                <a:cs typeface="Arial" panose="020B0604020202020204" pitchFamily="34" charset="0"/>
+              </a:rPr>
               <a:t>4. Make up UI  by privileges</a:t>
             </a:r>
-            <a:endParaRPr lang="ko-KR" altLang="en-US" sz="1100" dirty="0"/>
+            <a:endParaRPr lang="ko-KR" altLang="en-US" sz="1100" dirty="0">
+              <a:latin typeface="Arial" panose="020B0604020202020204" pitchFamily="34" charset="0"/>
+              <a:cs typeface="Arial" panose="020B0604020202020204" pitchFamily="34" charset="0"/>
+            </a:endParaRPr>
           </a:p>
         </p:txBody>
       </p:sp>
@@ -14210,7 +14315,7 @@
         <p:spPr>
           <a:xfrm>
             <a:off x="4161973" y="1647089"/>
-            <a:ext cx="1151277" cy="261610"/>
+            <a:ext cx="1242648" cy="261610"/>
           </a:xfrm>
           <a:prstGeom prst="rect">
             <a:avLst/>
@@ -14224,10 +14329,16 @@
           <a:lstStyle/>
           <a:p>
             <a:r>
-              <a:rPr lang="en-US" altLang="ko-KR" sz="1100" dirty="0" smtClean="0"/>
+              <a:rPr lang="en-US" altLang="ko-KR" sz="1100" dirty="0" smtClean="0">
+                <a:latin typeface="Arial" panose="020B0604020202020204" pitchFamily="34" charset="0"/>
+                <a:cs typeface="Arial" panose="020B0604020202020204" pitchFamily="34" charset="0"/>
+              </a:rPr>
               <a:t>Authorized users</a:t>
             </a:r>
-            <a:endParaRPr lang="ko-KR" altLang="en-US" sz="1100" dirty="0"/>
+            <a:endParaRPr lang="ko-KR" altLang="en-US" sz="1100" dirty="0">
+              <a:latin typeface="Arial" panose="020B0604020202020204" pitchFamily="34" charset="0"/>
+              <a:cs typeface="Arial" panose="020B0604020202020204" pitchFamily="34" charset="0"/>
+            </a:endParaRPr>
           </a:p>
         </p:txBody>
       </p:sp>
@@ -23759,7 +23870,7 @@
   <a:extraClrSchemeLst/>
   <a:extLst>
     <a:ext uri="{05A4C25C-085E-4340-85A3-A5531E510DB2}">
-      <thm15:themeFamily xmlns:thm15="http://schemas.microsoft.com/office/thememl/2012/main" xmlns="" name="Office Theme" id="{62F939B6-93AF-4DB8-9C6B-D6C7DFDC589F}" vid="{4A3C46E8-61CC-4603-A589-7422A47A8E4A}"/>
+      <thm15:themeFamily xmlns:thm15="http://schemas.microsoft.com/office/thememl/2012/main" name="Office Theme" id="{62F939B6-93AF-4DB8-9C6B-D6C7DFDC589F}" vid="{4A3C46E8-61CC-4603-A589-7422A47A8E4A}"/>
     </a:ext>
   </a:extLst>
 </a:theme>
